--- a/images/Powerpoint for Images.pptx
+++ b/images/Powerpoint for Images.pptx
@@ -5,7 +5,7 @@
     <p:sldMasterId id="2147483732" r:id="rId1"/>
   </p:sldMasterIdLst>
   <p:notesMasterIdLst>
-    <p:notesMasterId r:id="rId8"/>
+    <p:notesMasterId r:id="rId9"/>
   </p:notesMasterIdLst>
   <p:sldIdLst>
     <p:sldId id="273" r:id="rId2"/>
@@ -13,7 +13,8 @@
     <p:sldId id="270" r:id="rId4"/>
     <p:sldId id="271" r:id="rId5"/>
     <p:sldId id="272" r:id="rId6"/>
-    <p:sldId id="274" r:id="rId7"/>
+    <p:sldId id="275" r:id="rId7"/>
+    <p:sldId id="274" r:id="rId8"/>
   </p:sldIdLst>
   <p:sldSz cx="12192000" cy="6858000"/>
   <p:notesSz cx="6858000" cy="9144000"/>
@@ -202,7 +203,7 @@
           <a:p>
             <a:fld id="{A398983F-560E-4C34-BED6-11F9CDB7977D}" type="datetimeFigureOut">
               <a:rPr lang="en-NG" smtClean="0"/>
-              <a:t>18/06/2025</a:t>
+              <a:t>18/07/2025</a:t>
             </a:fld>
             <a:endParaRPr lang="en-NG"/>
           </a:p>
@@ -616,7 +617,7 @@
           <a:p>
             <a:fld id="{83284890-85D2-4D7B-8EF5-15A9C1DB8F42}" type="datetimeFigureOut">
               <a:rPr lang="en-US" dirty="0"/>
-              <a:t>6/18/2025</a:t>
+              <a:t>7/18/2025</a:t>
             </a:fld>
             <a:endParaRPr lang="en-US"/>
           </a:p>
@@ -797,7 +798,7 @@
           <a:p>
             <a:fld id="{87157CC2-0FC8-4686-B024-99790E0F5162}" type="datetimeFigureOut">
               <a:rPr lang="en-US" dirty="0"/>
-              <a:t>6/18/2025</a:t>
+              <a:t>7/18/2025</a:t>
             </a:fld>
             <a:endParaRPr lang="en-US"/>
           </a:p>
@@ -983,7 +984,7 @@
           <a:p>
             <a:fld id="{F6764DA5-CD3D-4590-A511-FCD3BC7A793E}" type="datetimeFigureOut">
               <a:rPr lang="en-US" dirty="0"/>
-              <a:t>6/18/2025</a:t>
+              <a:t>7/18/2025</a:t>
             </a:fld>
             <a:endParaRPr lang="en-US"/>
           </a:p>
@@ -1159,7 +1160,7 @@
           <a:p>
             <a:fld id="{82F5661D-6934-4B32-B92C-470368BF1EC6}" type="datetimeFigureOut">
               <a:rPr lang="en-US" dirty="0"/>
-              <a:t>6/18/2025</a:t>
+              <a:t>7/18/2025</a:t>
             </a:fld>
             <a:endParaRPr lang="en-US"/>
           </a:p>
@@ -1479,7 +1480,7 @@
           <a:p>
             <a:fld id="{C6F822A4-8DA6-4447-9B1F-C5DB58435268}" type="datetimeFigureOut">
               <a:rPr lang="en-US" dirty="0"/>
-              <a:t>6/18/2025</a:t>
+              <a:t>7/18/2025</a:t>
             </a:fld>
             <a:endParaRPr lang="en-US"/>
           </a:p>
@@ -1866,7 +1867,7 @@
           <a:p>
             <a:fld id="{E548D31E-DCDA-41A7-9C67-C4B11B94D21D}" type="datetimeFigureOut">
               <a:rPr lang="en-US" dirty="0"/>
-              <a:t>6/18/2025</a:t>
+              <a:t>7/18/2025</a:t>
             </a:fld>
             <a:endParaRPr lang="en-US"/>
           </a:p>
@@ -2305,7 +2306,7 @@
           <a:p>
             <a:fld id="{9B3762C0-B258-48F1-ADE6-176B4174CCDD}" type="datetimeFigureOut">
               <a:rPr lang="en-US" dirty="0"/>
-              <a:t>6/18/2025</a:t>
+              <a:t>7/18/2025</a:t>
             </a:fld>
             <a:endParaRPr lang="en-US"/>
           </a:p>
@@ -2399,7 +2400,7 @@
           <a:p>
             <a:fld id="{677919A6-33EB-49BD-A62F-1FA56B9F9712}" type="datetimeFigureOut">
               <a:rPr lang="en-US" dirty="0"/>
-              <a:t>6/18/2025</a:t>
+              <a:t>7/18/2025</a:t>
             </a:fld>
             <a:endParaRPr lang="en-US"/>
           </a:p>
@@ -2502,7 +2503,7 @@
           <a:p>
             <a:fld id="{CA4E7D1B-D673-4CF6-8672-009D42ABD2A0}" type="datetimeFigureOut">
               <a:rPr lang="en-US" dirty="0"/>
-              <a:t>6/18/2025</a:t>
+              <a:t>7/18/2025</a:t>
             </a:fld>
             <a:endParaRPr lang="en-US"/>
           </a:p>
@@ -2858,7 +2859,7 @@
           <a:p>
             <a:fld id="{DA16AA21-1863-4931-97CB-99D0A168701B}" type="datetimeFigureOut">
               <a:rPr lang="en-US" dirty="0"/>
-              <a:t>6/18/2025</a:t>
+              <a:t>7/18/2025</a:t>
             </a:fld>
             <a:endParaRPr lang="en-US"/>
           </a:p>
@@ -3286,7 +3287,7 @@
           <a:p>
             <a:fld id="{3772C379-9A7C-4C87-A116-CBE9F58B04C5}" type="datetimeFigureOut">
               <a:rPr lang="en-US" dirty="0"/>
-              <a:t>6/18/2025</a:t>
+              <a:t>7/18/2025</a:t>
             </a:fld>
             <a:endParaRPr lang="en-US"/>
           </a:p>
@@ -3582,7 +3583,7 @@
           <a:p>
             <a:fld id="{8664C608-40B1-4030-A28D-5B74BC98ADCE}" type="datetimeFigureOut">
               <a:rPr lang="en-US" dirty="0"/>
-              <a:t>6/18/2025</a:t>
+              <a:t>7/18/2025</a:t>
             </a:fld>
             <a:endParaRPr lang="en-US"/>
           </a:p>
@@ -5312,6 +5313,230 @@
 </file>
 
 <file path=ppt/slides/slide6.xml><?xml version="1.0" encoding="utf-8"?>
+<p:sld xmlns:a="http://schemas.openxmlformats.org/drawingml/2006/main" xmlns:r="http://schemas.openxmlformats.org/officeDocument/2006/relationships" xmlns:p="http://schemas.openxmlformats.org/presentationml/2006/main">
+  <p:cSld>
+    <p:spTree>
+      <p:nvGrpSpPr>
+        <p:cNvPr id="1" name="">
+          <a:extLst>
+            <a:ext uri="{FF2B5EF4-FFF2-40B4-BE49-F238E27FC236}">
+              <a16:creationId xmlns:a16="http://schemas.microsoft.com/office/drawing/2014/main" id="{BF458053-9366-2339-7468-C2BBFE64AC1D}"/>
+            </a:ext>
+          </a:extLst>
+        </p:cNvPr>
+        <p:cNvGrpSpPr/>
+        <p:nvPr/>
+      </p:nvGrpSpPr>
+      <p:grpSpPr>
+        <a:xfrm>
+          <a:off x="0" y="0"/>
+          <a:ext cx="0" cy="0"/>
+          <a:chOff x="0" y="0"/>
+          <a:chExt cx="0" cy="0"/>
+        </a:xfrm>
+      </p:grpSpPr>
+      <p:pic>
+        <p:nvPicPr>
+          <p:cNvPr id="8" name="Picture 7" descr="A screenshot of a computer&#10;&#10;AI-generated content may be incorrect.">
+            <a:extLst>
+              <a:ext uri="{FF2B5EF4-FFF2-40B4-BE49-F238E27FC236}">
+                <a16:creationId xmlns:a16="http://schemas.microsoft.com/office/drawing/2014/main" id="{EA7D1E16-2D6D-3CD5-8FF9-94B1687362F6}"/>
+              </a:ext>
+            </a:extLst>
+          </p:cNvPr>
+          <p:cNvPicPr>
+            <a:picLocks noChangeAspect="1"/>
+          </p:cNvPicPr>
+          <p:nvPr/>
+        </p:nvPicPr>
+        <p:blipFill>
+          <a:blip r:embed="rId2">
+            <a:extLst>
+              <a:ext uri="{28A0092B-C50C-407E-A947-70E740481C1C}">
+                <a14:useLocalDpi xmlns:a14="http://schemas.microsoft.com/office/drawing/2010/main" val="0"/>
+              </a:ext>
+            </a:extLst>
+          </a:blip>
+          <a:stretch>
+            <a:fillRect/>
+          </a:stretch>
+        </p:blipFill>
+        <p:spPr>
+          <a:xfrm>
+            <a:off x="4600032" y="2319767"/>
+            <a:ext cx="7273604" cy="4127770"/>
+          </a:xfrm>
+          <a:prstGeom prst="rect">
+            <a:avLst/>
+          </a:prstGeom>
+        </p:spPr>
+      </p:pic>
+      <p:sp>
+        <p:nvSpPr>
+          <p:cNvPr id="2" name="Freeform: Shape 1">
+            <a:extLst>
+              <a:ext uri="{FF2B5EF4-FFF2-40B4-BE49-F238E27FC236}">
+                <a16:creationId xmlns:a16="http://schemas.microsoft.com/office/drawing/2014/main" id="{E9BD8E2A-781F-BE6F-26D1-355440061671}"/>
+              </a:ext>
+            </a:extLst>
+          </p:cNvPr>
+          <p:cNvSpPr/>
+          <p:nvPr/>
+        </p:nvSpPr>
+        <p:spPr>
+          <a:xfrm flipV="1">
+            <a:off x="-2202" y="1202"/>
+            <a:ext cx="6822811" cy="6855591"/>
+          </a:xfrm>
+          <a:custGeom>
+            <a:avLst/>
+            <a:gdLst/>
+            <a:ahLst/>
+            <a:cxnLst>
+              <a:cxn ang="3cd4">
+                <a:pos x="hc" y="t"/>
+              </a:cxn>
+              <a:cxn ang="cd2">
+                <a:pos x="l" y="vc"/>
+              </a:cxn>
+              <a:cxn ang="cd4">
+                <a:pos x="hc" y="b"/>
+              </a:cxn>
+              <a:cxn ang="0">
+                <a:pos x="r" y="vc"/>
+              </a:cxn>
+            </a:cxnLst>
+            <a:rect l="l" t="t" r="r" b="b"/>
+            <a:pathLst>
+              <a:path w="8620" h="11007">
+                <a:moveTo>
+                  <a:pt x="700" y="0"/>
+                </a:moveTo>
+                <a:lnTo>
+                  <a:pt x="0" y="0"/>
+                </a:lnTo>
+                <a:lnTo>
+                  <a:pt x="0" y="11007"/>
+                </a:lnTo>
+                <a:lnTo>
+                  <a:pt x="700" y="11007"/>
+                </a:lnTo>
+                <a:lnTo>
+                  <a:pt x="2846" y="11007"/>
+                </a:lnTo>
+                <a:cubicBezTo>
+                  <a:pt x="2851" y="10040"/>
+                  <a:pt x="2962" y="9086"/>
+                  <a:pt x="3327" y="8196"/>
+                </a:cubicBezTo>
+                <a:cubicBezTo>
+                  <a:pt x="3682" y="7332"/>
+                  <a:pt x="4260" y="6578"/>
+                  <a:pt x="4882" y="5882"/>
+                </a:cubicBezTo>
+                <a:cubicBezTo>
+                  <a:pt x="5483" y="5212"/>
+                  <a:pt x="6130" y="4584"/>
+                  <a:pt x="6778" y="3958"/>
+                </a:cubicBezTo>
+                <a:cubicBezTo>
+                  <a:pt x="7142" y="3606"/>
+                  <a:pt x="7510" y="3249"/>
+                  <a:pt x="7768" y="2814"/>
+                </a:cubicBezTo>
+                <a:cubicBezTo>
+                  <a:pt x="7996" y="2427"/>
+                  <a:pt x="8128" y="1993"/>
+                  <a:pt x="8259" y="1564"/>
+                </a:cubicBezTo>
+                <a:cubicBezTo>
+                  <a:pt x="8414" y="1052"/>
+                  <a:pt x="8571" y="530"/>
+                  <a:pt x="8620" y="0"/>
+                </a:cubicBezTo>
+                <a:close/>
+              </a:path>
+            </a:pathLst>
+          </a:custGeom>
+          <a:solidFill>
+            <a:srgbClr val="C00000">
+              <a:alpha val="5098"/>
+            </a:srgbClr>
+          </a:solidFill>
+          <a:ln cap="flat">
+            <a:noFill/>
+            <a:prstDash val="solid"/>
+          </a:ln>
+        </p:spPr>
+        <p:txBody>
+          <a:bodyPr vert="horz" wrap="none" lIns="45000" tIns="22500" rIns="45000" bIns="22500" anchor="ctr" anchorCtr="1" compatLnSpc="0"/>
+          <a:lstStyle/>
+          <a:p>
+            <a:pPr hangingPunct="0">
+              <a:defRPr/>
+            </a:pPr>
+            <a:endParaRPr lang="en-US" sz="900">
+              <a:solidFill>
+                <a:srgbClr val="000000"/>
+              </a:solidFill>
+              <a:latin typeface="Poppins" panose="00000500000000000000" pitchFamily="2" charset="0"/>
+              <a:ea typeface="Microsoft YaHei" pitchFamily="2"/>
+              <a:cs typeface="Lucida Sans" pitchFamily="2"/>
+            </a:endParaRPr>
+          </a:p>
+        </p:txBody>
+      </p:sp>
+      <p:pic>
+        <p:nvPicPr>
+          <p:cNvPr id="5" name="Picture 4" descr="A close-up of a sign&#10;&#10;AI-generated content may be incorrect.">
+            <a:extLst>
+              <a:ext uri="{FF2B5EF4-FFF2-40B4-BE49-F238E27FC236}">
+                <a16:creationId xmlns:a16="http://schemas.microsoft.com/office/drawing/2014/main" id="{DD3360AA-DBD9-F1CF-0E12-CDE204C4374F}"/>
+              </a:ext>
+            </a:extLst>
+          </p:cNvPr>
+          <p:cNvPicPr>
+            <a:picLocks noChangeAspect="1"/>
+          </p:cNvPicPr>
+          <p:nvPr/>
+        </p:nvPicPr>
+        <p:blipFill>
+          <a:blip r:embed="rId3">
+            <a:extLst>
+              <a:ext uri="{28A0092B-C50C-407E-A947-70E740481C1C}">
+                <a14:useLocalDpi xmlns:a14="http://schemas.microsoft.com/office/drawing/2010/main" val="0"/>
+              </a:ext>
+            </a:extLst>
+          </a:blip>
+          <a:srcRect t="3135"/>
+          <a:stretch>
+            <a:fillRect/>
+          </a:stretch>
+        </p:blipFill>
+        <p:spPr>
+          <a:xfrm>
+            <a:off x="410548" y="294504"/>
+            <a:ext cx="7519988" cy="4127770"/>
+          </a:xfrm>
+          <a:prstGeom prst="rect">
+            <a:avLst/>
+          </a:prstGeom>
+        </p:spPr>
+      </p:pic>
+    </p:spTree>
+    <p:extLst>
+      <p:ext uri="{BB962C8B-B14F-4D97-AF65-F5344CB8AC3E}">
+        <p14:creationId xmlns:p14="http://schemas.microsoft.com/office/powerpoint/2010/main" val="1652947706"/>
+      </p:ext>
+    </p:extLst>
+  </p:cSld>
+  <p:clrMapOvr>
+    <a:masterClrMapping/>
+  </p:clrMapOvr>
+</p:sld>
+</file>
+
+<file path=ppt/slides/slide7.xml><?xml version="1.0" encoding="utf-8"?>
 <p:sld xmlns:a="http://schemas.openxmlformats.org/drawingml/2006/main" xmlns:r="http://schemas.openxmlformats.org/officeDocument/2006/relationships" xmlns:p="http://schemas.openxmlformats.org/presentationml/2006/main">
   <p:cSld>
     <p:spTree>
